--- a/Week 3/Clase 5-6.pptx
+++ b/Week 3/Clase 5-6.pptx
@@ -105,6 +105,11 @@
       </a:defRPr>
     </a:lvl9pPr>
   </p:defaultTextStyle>
+  <p:extLst>
+    <p:ext uri="{EFAFB233-063F-42B5-8137-9DF3F51BA10A}">
+      <p15:sldGuideLst xmlns:p15="http://schemas.microsoft.com/office/powerpoint/2012/main"/>
+    </p:ext>
+  </p:extLst>
 </p:presentation>
 </file>
 
@@ -255,7 +260,7 @@
           <a:p>
             <a:fld id="{D07E415D-6789-4496-A03F-69390932FA9B}" type="datetimeFigureOut">
               <a:rPr lang="en-US" smtClean="0"/>
-              <a:t>7/8/2021</a:t>
+              <a:t>7/12/2021</a:t>
             </a:fld>
             <a:endParaRPr lang="en-US"/>
           </a:p>
@@ -453,7 +458,7 @@
           <a:p>
             <a:fld id="{D07E415D-6789-4496-A03F-69390932FA9B}" type="datetimeFigureOut">
               <a:rPr lang="en-US" smtClean="0"/>
-              <a:t>7/8/2021</a:t>
+              <a:t>7/12/2021</a:t>
             </a:fld>
             <a:endParaRPr lang="en-US"/>
           </a:p>
@@ -661,7 +666,7 @@
           <a:p>
             <a:fld id="{D07E415D-6789-4496-A03F-69390932FA9B}" type="datetimeFigureOut">
               <a:rPr lang="en-US" smtClean="0"/>
-              <a:t>7/8/2021</a:t>
+              <a:t>7/12/2021</a:t>
             </a:fld>
             <a:endParaRPr lang="en-US"/>
           </a:p>
@@ -859,7 +864,7 @@
           <a:p>
             <a:fld id="{D07E415D-6789-4496-A03F-69390932FA9B}" type="datetimeFigureOut">
               <a:rPr lang="en-US" smtClean="0"/>
-              <a:t>7/8/2021</a:t>
+              <a:t>7/12/2021</a:t>
             </a:fld>
             <a:endParaRPr lang="en-US"/>
           </a:p>
@@ -1134,7 +1139,7 @@
           <a:p>
             <a:fld id="{D07E415D-6789-4496-A03F-69390932FA9B}" type="datetimeFigureOut">
               <a:rPr lang="en-US" smtClean="0"/>
-              <a:t>7/8/2021</a:t>
+              <a:t>7/12/2021</a:t>
             </a:fld>
             <a:endParaRPr lang="en-US"/>
           </a:p>
@@ -1399,7 +1404,7 @@
           <a:p>
             <a:fld id="{D07E415D-6789-4496-A03F-69390932FA9B}" type="datetimeFigureOut">
               <a:rPr lang="en-US" smtClean="0"/>
-              <a:t>7/8/2021</a:t>
+              <a:t>7/12/2021</a:t>
             </a:fld>
             <a:endParaRPr lang="en-US"/>
           </a:p>
@@ -1811,7 +1816,7 @@
           <a:p>
             <a:fld id="{D07E415D-6789-4496-A03F-69390932FA9B}" type="datetimeFigureOut">
               <a:rPr lang="en-US" smtClean="0"/>
-              <a:t>7/8/2021</a:t>
+              <a:t>7/12/2021</a:t>
             </a:fld>
             <a:endParaRPr lang="en-US"/>
           </a:p>
@@ -1952,7 +1957,7 @@
           <a:p>
             <a:fld id="{D07E415D-6789-4496-A03F-69390932FA9B}" type="datetimeFigureOut">
               <a:rPr lang="en-US" smtClean="0"/>
-              <a:t>7/8/2021</a:t>
+              <a:t>7/12/2021</a:t>
             </a:fld>
             <a:endParaRPr lang="en-US"/>
           </a:p>
@@ -2065,7 +2070,7 @@
           <a:p>
             <a:fld id="{D07E415D-6789-4496-A03F-69390932FA9B}" type="datetimeFigureOut">
               <a:rPr lang="en-US" smtClean="0"/>
-              <a:t>7/8/2021</a:t>
+              <a:t>7/12/2021</a:t>
             </a:fld>
             <a:endParaRPr lang="en-US"/>
           </a:p>
@@ -2376,7 +2381,7 @@
           <a:p>
             <a:fld id="{D07E415D-6789-4496-A03F-69390932FA9B}" type="datetimeFigureOut">
               <a:rPr lang="en-US" smtClean="0"/>
-              <a:t>7/8/2021</a:t>
+              <a:t>7/12/2021</a:t>
             </a:fld>
             <a:endParaRPr lang="en-US"/>
           </a:p>
@@ -2664,7 +2669,7 @@
           <a:p>
             <a:fld id="{D07E415D-6789-4496-A03F-69390932FA9B}" type="datetimeFigureOut">
               <a:rPr lang="en-US" smtClean="0"/>
-              <a:t>7/8/2021</a:t>
+              <a:t>7/12/2021</a:t>
             </a:fld>
             <a:endParaRPr lang="en-US"/>
           </a:p>
@@ -2905,7 +2910,7 @@
           <a:p>
             <a:fld id="{D07E415D-6789-4496-A03F-69390932FA9B}" type="datetimeFigureOut">
               <a:rPr lang="en-US" smtClean="0"/>
-              <a:t>7/8/2021</a:t>
+              <a:t>7/12/2021</a:t>
             </a:fld>
             <a:endParaRPr lang="en-US"/>
           </a:p>
@@ -3340,12 +3345,14 @@
         </p:nvSpPr>
         <p:spPr/>
         <p:txBody>
-          <a:bodyPr/>
+          <a:bodyPr>
+            <a:normAutofit/>
+          </a:bodyPr>
           <a:lstStyle/>
           <a:p>
             <a:r>
               <a:rPr lang="en-US" dirty="0"/>
-              <a:t>Using NLT and </a:t>
+              <a:t>Using NLTK and </a:t>
             </a:r>
             <a:r>
               <a:rPr lang="en-US" dirty="0" err="1"/>
@@ -3353,7 +3360,15 @@
             </a:r>
             <a:r>
               <a:rPr lang="en-US" dirty="0"/>
-              <a:t> for different NLP Tasks</a:t>
+              <a:t> </a:t>
+            </a:r>
+            <a:r>
+              <a:rPr lang="en-US"/>
+              <a:t>for practical </a:t>
+            </a:r>
+            <a:r>
+              <a:rPr lang="en-US" dirty="0"/>
+              <a:t>NLP Tasks</a:t>
             </a:r>
           </a:p>
         </p:txBody>
@@ -3377,7 +3392,7 @@
         <p:spPr/>
         <p:txBody>
           <a:bodyPr>
-            <a:normAutofit lnSpcReduction="10000"/>
+            <a:normAutofit fontScale="77500" lnSpcReduction="20000"/>
           </a:bodyPr>
           <a:lstStyle/>
           <a:p>
@@ -3387,7 +3402,7 @@
             </a:pPr>
             <a:r>
               <a:rPr lang="en-US" dirty="0"/>
-              <a:t>Frequency Profile</a:t>
+              <a:t>Text cleaning </a:t>
             </a:r>
           </a:p>
           <a:p>
@@ -3397,7 +3412,7 @@
             </a:pPr>
             <a:r>
               <a:rPr lang="en-US" dirty="0"/>
-              <a:t>Dependency Parsing</a:t>
+              <a:t>Frequency Profile</a:t>
             </a:r>
           </a:p>
           <a:p>
@@ -3407,7 +3422,7 @@
             </a:pPr>
             <a:r>
               <a:rPr lang="en-US" dirty="0"/>
-              <a:t>Sentiment Analysis</a:t>
+              <a:t>Part of Speech Tagging</a:t>
             </a:r>
           </a:p>
           <a:p>
@@ -3417,7 +3432,17 @@
             </a:pPr>
             <a:r>
               <a:rPr lang="en-US" dirty="0"/>
-              <a:t>Named-Entity Recognition</a:t>
+              <a:t>Dependency Parsing</a:t>
+            </a:r>
+          </a:p>
+          <a:p>
+            <a:pPr marL="342900" indent="-342900">
+              <a:buFontTx/>
+              <a:buChar char="-"/>
+            </a:pPr>
+            <a:r>
+              <a:rPr lang="en-US" dirty="0"/>
+              <a:t>Named Entity Recognition</a:t>
             </a:r>
           </a:p>
         </p:txBody>
